--- a/slide_pidnet.pptx
+++ b/slide_pidnet.pptx
@@ -286,6 +286,11 @@
       </a:defRPr>
     </a:lvl9pPr>
   </p:defaultTextStyle>
+  <p:extLst>
+    <p:ext uri="{EFAFB233-063F-42B5-8137-9DF3F51BA10A}">
+      <p15:sldGuideLst xmlns:p15="http://schemas.microsoft.com/office/powerpoint/2012/main"/>
+    </p:ext>
+  </p:extLst>
 </p:presentation>
 </file>
 
@@ -48785,7 +48790,7 @@
         <p:spPr>
           <a:xfrm>
             <a:off x="3844950" y="1419791"/>
-            <a:ext cx="4843569" cy="2000548"/>
+            <a:ext cx="4843569" cy="2492990"/>
           </a:xfrm>
           <a:prstGeom prst="rect">
             <a:avLst/>
@@ -48986,7 +48991,7 @@
                 <a:latin typeface="+mn-lt"/>
                 <a:sym typeface="Muli"/>
               </a:rPr>
-              <a:t>Link Github lưu dữ liệu: </a:t>
+              <a:t>Link Github lưu dữ liệu: https://github.com/NinhLuong/pidnet_mmopenlab.git</a:t>
             </a:r>
             <a:endParaRPr kumimoji="0" lang="en-US" sz="1600" b="0" i="0" u="none" strike="noStrike" kern="0" cap="none" spc="0" normalizeH="0" baseline="0" noProof="0">
               <a:ln>

--- a/slide_pidnet.pptx
+++ b/slide_pidnet.pptx
@@ -292,6 +292,80 @@
     </p:ext>
   </p:extLst>
 </p:presentation>
+</file>
+
+<file path=ppt/changesInfos/changesInfo1.xml><?xml version="1.0" encoding="utf-8"?>
+<pc:chgInfo xmlns:a="http://schemas.openxmlformats.org/drawingml/2006/main" xmlns:r="http://schemas.openxmlformats.org/officeDocument/2006/relationships" xmlns:ac="http://schemas.microsoft.com/office/drawing/2013/main/command" xmlns:pc="http://schemas.microsoft.com/office/powerpoint/2013/main/command">
+  <pc:docChgLst>
+    <pc:chgData name="Trần Văn Tuấn" userId="62887bab-65fa-4ffe-a3bd-a3e424e80b66" providerId="ADAL" clId="{D06DF82D-A0C2-4402-8E8B-5996710A8D22}"/>
+    <pc:docChg chg="undo custSel addSld delSld modSld">
+      <pc:chgData name="Trần Văn Tuấn" userId="62887bab-65fa-4ffe-a3bd-a3e424e80b66" providerId="ADAL" clId="{D06DF82D-A0C2-4402-8E8B-5996710A8D22}" dt="2023-05-18T10:25:57.576" v="85" actId="2696"/>
+      <pc:docMkLst>
+        <pc:docMk/>
+      </pc:docMkLst>
+      <pc:sldChg chg="modSp mod">
+        <pc:chgData name="Trần Văn Tuấn" userId="62887bab-65fa-4ffe-a3bd-a3e424e80b66" providerId="ADAL" clId="{D06DF82D-A0C2-4402-8E8B-5996710A8D22}" dt="2023-05-18T08:21:09.173" v="46" actId="20577"/>
+        <pc:sldMkLst>
+          <pc:docMk/>
+          <pc:sldMk cId="0" sldId="257"/>
+        </pc:sldMkLst>
+        <pc:spChg chg="mod">
+          <ac:chgData name="Trần Văn Tuấn" userId="62887bab-65fa-4ffe-a3bd-a3e424e80b66" providerId="ADAL" clId="{D06DF82D-A0C2-4402-8E8B-5996710A8D22}" dt="2023-05-18T08:21:09.173" v="46" actId="20577"/>
+          <ac:spMkLst>
+            <pc:docMk/>
+            <pc:sldMk cId="0" sldId="257"/>
+            <ac:spMk id="342" creationId="{00000000-0000-0000-0000-000000000000}"/>
+          </ac:spMkLst>
+        </pc:spChg>
+      </pc:sldChg>
+      <pc:sldChg chg="modSp mod">
+        <pc:chgData name="Trần Văn Tuấn" userId="62887bab-65fa-4ffe-a3bd-a3e424e80b66" providerId="ADAL" clId="{D06DF82D-A0C2-4402-8E8B-5996710A8D22}" dt="2023-05-18T08:33:32.576" v="78"/>
+        <pc:sldMkLst>
+          <pc:docMk/>
+          <pc:sldMk cId="0" sldId="259"/>
+        </pc:sldMkLst>
+        <pc:spChg chg="mod">
+          <ac:chgData name="Trần Văn Tuấn" userId="62887bab-65fa-4ffe-a3bd-a3e424e80b66" providerId="ADAL" clId="{D06DF82D-A0C2-4402-8E8B-5996710A8D22}" dt="2023-05-18T08:33:32.576" v="78"/>
+          <ac:spMkLst>
+            <pc:docMk/>
+            <pc:sldMk cId="0" sldId="259"/>
+            <ac:spMk id="360" creationId="{00000000-0000-0000-0000-000000000000}"/>
+          </ac:spMkLst>
+        </pc:spChg>
+      </pc:sldChg>
+      <pc:sldChg chg="modSp mod">
+        <pc:chgData name="Trần Văn Tuấn" userId="62887bab-65fa-4ffe-a3bd-a3e424e80b66" providerId="ADAL" clId="{D06DF82D-A0C2-4402-8E8B-5996710A8D22}" dt="2023-05-18T09:45:47.751" v="82"/>
+        <pc:sldMkLst>
+          <pc:docMk/>
+          <pc:sldMk cId="354189867" sldId="297"/>
+        </pc:sldMkLst>
+        <pc:spChg chg="mod">
+          <ac:chgData name="Trần Văn Tuấn" userId="62887bab-65fa-4ffe-a3bd-a3e424e80b66" providerId="ADAL" clId="{D06DF82D-A0C2-4402-8E8B-5996710A8D22}" dt="2023-05-18T09:45:47.751" v="82"/>
+          <ac:spMkLst>
+            <pc:docMk/>
+            <pc:sldMk cId="354189867" sldId="297"/>
+            <ac:spMk id="5" creationId="{05C524C3-CB02-5D20-68A2-432B769A4E3A}"/>
+          </ac:spMkLst>
+        </pc:spChg>
+      </pc:sldChg>
+      <pc:sldChg chg="modSp add del mod">
+        <pc:chgData name="Trần Văn Tuấn" userId="62887bab-65fa-4ffe-a3bd-a3e424e80b66" providerId="ADAL" clId="{D06DF82D-A0C2-4402-8E8B-5996710A8D22}" dt="2023-05-18T10:25:57.576" v="85" actId="2696"/>
+        <pc:sldMkLst>
+          <pc:docMk/>
+          <pc:sldMk cId="1613565226" sldId="298"/>
+        </pc:sldMkLst>
+        <pc:spChg chg="mod">
+          <ac:chgData name="Trần Văn Tuấn" userId="62887bab-65fa-4ffe-a3bd-a3e424e80b66" providerId="ADAL" clId="{D06DF82D-A0C2-4402-8E8B-5996710A8D22}" dt="2023-05-18T10:25:45.594" v="83"/>
+          <ac:spMkLst>
+            <pc:docMk/>
+            <pc:sldMk cId="1613565226" sldId="298"/>
+            <ac:spMk id="615" creationId="{00000000-0000-0000-0000-000000000000}"/>
+          </ac:spMkLst>
+        </pc:spChg>
+      </pc:sldChg>
+    </pc:docChg>
+  </pc:docChgLst>
+</pc:chgInfo>
 </file>
 
 <file path=ppt/notesMasters/notesMaster1.xml><?xml version="1.0" encoding="utf-8"?>
@@ -46326,8 +46400,11 @@
               <a:buNone/>
             </a:pPr>
             <a:r>
-              <a:rPr lang="en"/>
-              <a:t>TRAINING MODEL</a:t>
+              <a:rPr lang="en-US" b="0" i="0">
+                <a:effectLst/>
+                <a:latin typeface="Arial" panose="020B0604020202020204" pitchFamily="34" charset="0"/>
+              </a:rPr>
+              <a:t>ĐẶC TẢ HỆ THỐNG</a:t>
             </a:r>
             <a:endParaRPr/>
           </a:p>
